--- a/Atividade 3 - bolsistas/Eng Software - 3 - apresentação.pptx
+++ b/Atividade 3 - bolsistas/Eng Software - 3 - apresentação.pptx
@@ -8,6 +8,7 @@
     <p:sldId id="256" r:id="rId2"/>
     <p:sldId id="257" r:id="rId3"/>
     <p:sldId id="258" r:id="rId4"/>
+    <p:sldId id="259" r:id="rId5"/>
   </p:sldIdLst>
   <p:sldSz cx="9144000" cy="6858000" type="screen4x3"/>
   <p:notesSz cx="6858000" cy="9144000"/>
@@ -3300,15 +3301,7 @@
             </a:r>
             <a:r>
               <a:rPr lang="pt-BR" sz="2000" dirty="0" smtClean="0"/>
-              <a:t> é uma metodologia ágil para equipes pequenas e médias e que irão desenvolver um software com requisitos vagos e em constante mudança. </a:t>
-            </a:r>
-            <a:r>
-              <a:rPr lang="pt-BR" sz="2000" dirty="0"/>
-              <a:t>Para isso, adota a estratégia de constante acompanhamento e realização de vários pequenos ajustes durante o desenvolvimento de software</a:t>
-            </a:r>
-            <a:r>
-              <a:rPr lang="pt-BR" sz="2000" dirty="0" smtClean="0"/>
-              <a:t>.</a:t>
+              <a:t> é uma metodologia ágil para equipes pequenas e médias e que irão desenvolver um software com requisitos vagos e em constante mudança. Para isso, adota a estratégia de constante acompanhamento e realização de vários pequenos ajustes durante o desenvolvimento de software.</a:t>
             </a:r>
           </a:p>
           <a:p>
@@ -3323,13 +3316,7 @@
               <a:rPr lang="pt-BR" sz="2000" dirty="0" smtClean="0">
                 <a:hlinkClick r:id="rId2"/>
               </a:rPr>
-              <a:t>www</a:t>
-            </a:r>
-            <a:r>
-              <a:rPr lang="pt-BR" sz="2000" dirty="0" smtClean="0">
-                <a:hlinkClick r:id="rId2"/>
-              </a:rPr>
-              <a:t>.pt.wikipedia.org/</a:t>
+              <a:t>www.pt.wikipedia.org/</a:t>
             </a:r>
             <a:r>
               <a:rPr lang="pt-BR" sz="2000" dirty="0" err="1" smtClean="0">
@@ -3366,6 +3353,107 @@
     <p:extLst>
       <p:ext uri="{BB962C8B-B14F-4D97-AF65-F5344CB8AC3E}">
         <p14:creationId xmlns:p14="http://schemas.microsoft.com/office/powerpoint/2010/main" val="1923431850"/>
+      </p:ext>
+    </p:extLst>
+  </p:cSld>
+  <p:clrMapOvr>
+    <a:masterClrMapping/>
+  </p:clrMapOvr>
+  <p:timing>
+    <p:tnLst>
+      <p:par>
+        <p:cTn id="1" dur="indefinite" restart="never" nodeType="tmRoot"/>
+      </p:par>
+    </p:tnLst>
+  </p:timing>
+</p:sld>
+</file>
+
+<file path=ppt/slides/slide4.xml><?xml version="1.0" encoding="utf-8"?>
+<p:sld xmlns:a="http://schemas.openxmlformats.org/drawingml/2006/main" xmlns:r="http://schemas.openxmlformats.org/officeDocument/2006/relationships" xmlns:p="http://schemas.openxmlformats.org/presentationml/2006/main">
+  <p:cSld>
+    <p:spTree>
+      <p:nvGrpSpPr>
+        <p:cNvPr id="1" name=""/>
+        <p:cNvGrpSpPr/>
+        <p:nvPr/>
+      </p:nvGrpSpPr>
+      <p:grpSpPr>
+        <a:xfrm>
+          <a:off x="0" y="0"/>
+          <a:ext cx="0" cy="0"/>
+          <a:chOff x="0" y="0"/>
+          <a:chExt cx="0" cy="0"/>
+        </a:xfrm>
+      </p:grpSpPr>
+      <p:sp>
+        <p:nvSpPr>
+          <p:cNvPr id="2" name="Título 1"/>
+          <p:cNvSpPr>
+            <a:spLocks noGrp="1"/>
+          </p:cNvSpPr>
+          <p:nvPr>
+            <p:ph type="title"/>
+          </p:nvPr>
+        </p:nvSpPr>
+        <p:spPr/>
+        <p:txBody>
+          <a:bodyPr/>
+          <a:lstStyle/>
+          <a:p>
+            <a:r>
+              <a:rPr lang="pt-BR" dirty="0" smtClean="0"/>
+              <a:t>Etapas principais</a:t>
+            </a:r>
+            <a:endParaRPr lang="pt-BR" dirty="0"/>
+          </a:p>
+        </p:txBody>
+      </p:sp>
+      <p:sp>
+        <p:nvSpPr>
+          <p:cNvPr id="3" name="Espaço Reservado para Conteúdo 2"/>
+          <p:cNvSpPr>
+            <a:spLocks noGrp="1"/>
+          </p:cNvSpPr>
+          <p:nvPr>
+            <p:ph idx="1"/>
+          </p:nvPr>
+        </p:nvSpPr>
+        <p:spPr/>
+        <p:txBody>
+          <a:bodyPr/>
+          <a:lstStyle/>
+          <a:p>
+            <a:r>
+              <a:rPr lang="pt-BR" dirty="0" smtClean="0"/>
+              <a:t>Definição da plataforma;</a:t>
+            </a:r>
+          </a:p>
+          <a:p>
+            <a:r>
+              <a:rPr lang="pt-BR" dirty="0" smtClean="0"/>
+              <a:t>Definição da linguagem e outras ferramentas de desenvolvimento;</a:t>
+            </a:r>
+          </a:p>
+          <a:p>
+            <a:r>
+              <a:rPr lang="pt-BR" dirty="0" smtClean="0"/>
+              <a:t>Sorteio prévio dos pares </a:t>
+            </a:r>
+            <a:r>
+              <a:rPr lang="pt-BR" smtClean="0"/>
+              <a:t>de desenvolvimento;</a:t>
+            </a:r>
+          </a:p>
+          <a:p>
+            <a:endParaRPr lang="pt-BR" dirty="0" smtClean="0"/>
+          </a:p>
+        </p:txBody>
+      </p:sp>
+    </p:spTree>
+    <p:extLst>
+      <p:ext uri="{BB962C8B-B14F-4D97-AF65-F5344CB8AC3E}">
+        <p14:creationId xmlns:p14="http://schemas.microsoft.com/office/powerpoint/2010/main" val="410173694"/>
       </p:ext>
     </p:extLst>
   </p:cSld>
